--- a/Охота на роботов.pptx
+++ b/Охота на роботов.pptx
@@ -7,8 +7,9 @@
   <p:sldIdLst>
     <p:sldId id="256" r:id="rId2"/>
     <p:sldId id="257" r:id="rId3"/>
-    <p:sldId id="258" r:id="rId4"/>
-    <p:sldId id="259" r:id="rId5"/>
+    <p:sldId id="260" r:id="rId4"/>
+    <p:sldId id="258" r:id="rId5"/>
+    <p:sldId id="259" r:id="rId6"/>
   </p:sldIdLst>
   <p:sldSz cx="12192000" cy="6858000"/>
   <p:notesSz cx="6858000" cy="9144000"/>
@@ -3521,11 +3522,44 @@
             </a:r>
             <a:r>
               <a:rPr lang="ru-RU" dirty="0"/>
-              <a:t> для того чтобы люди играли в игру и радовались ей.</a:t>
-            </a:r>
-          </a:p>
-        </p:txBody>
-      </p:sp>
+              <a:t>.</a:t>
+            </a:r>
+          </a:p>
+          <a:p>
+            <a:endParaRPr lang="ru-RU" dirty="0"/>
+          </a:p>
+        </p:txBody>
+      </p:sp>
+      <p:pic>
+        <p:nvPicPr>
+          <p:cNvPr id="5" name="Рисунок 4">
+            <a:extLst>
+              <a:ext uri="{FF2B5EF4-FFF2-40B4-BE49-F238E27FC236}">
+                <a16:creationId xmlns:a16="http://schemas.microsoft.com/office/drawing/2014/main" id="{C5EF3598-0F5A-0DB5-6F98-C3894E843B88}"/>
+              </a:ext>
+            </a:extLst>
+          </p:cNvPr>
+          <p:cNvPicPr>
+            <a:picLocks noChangeAspect="1"/>
+          </p:cNvPicPr>
+          <p:nvPr/>
+        </p:nvPicPr>
+        <p:blipFill>
+          <a:blip r:embed="rId2"/>
+          <a:stretch>
+            <a:fillRect/>
+          </a:stretch>
+        </p:blipFill>
+        <p:spPr>
+          <a:xfrm>
+            <a:off x="2434065" y="2183907"/>
+            <a:ext cx="7323869" cy="4603072"/>
+          </a:xfrm>
+          <a:prstGeom prst="rect">
+            <a:avLst/>
+          </a:prstGeom>
+        </p:spPr>
+      </p:pic>
     </p:spTree>
     <p:extLst>
       <p:ext uri="{BB962C8B-B14F-4D97-AF65-F5344CB8AC3E}">
@@ -3561,6 +3595,120 @@
           <p:cNvPr id="2" name="Заголовок 1">
             <a:extLst>
               <a:ext uri="{FF2B5EF4-FFF2-40B4-BE49-F238E27FC236}">
+                <a16:creationId xmlns:a16="http://schemas.microsoft.com/office/drawing/2014/main" id="{5C672BEB-48F9-6655-0E2C-747AFB70E91B}"/>
+              </a:ext>
+            </a:extLst>
+          </p:cNvPr>
+          <p:cNvSpPr>
+            <a:spLocks noGrp="1"/>
+          </p:cNvSpPr>
+          <p:nvPr>
+            <p:ph type="title"/>
+          </p:nvPr>
+        </p:nvSpPr>
+        <p:spPr/>
+        <p:txBody>
+          <a:bodyPr/>
+          <a:lstStyle/>
+          <a:p>
+            <a:endParaRPr lang="ru-RU" dirty="0"/>
+          </a:p>
+        </p:txBody>
+      </p:sp>
+      <p:pic>
+        <p:nvPicPr>
+          <p:cNvPr id="5" name="Объект 4">
+            <a:extLst>
+              <a:ext uri="{FF2B5EF4-FFF2-40B4-BE49-F238E27FC236}">
+                <a16:creationId xmlns:a16="http://schemas.microsoft.com/office/drawing/2014/main" id="{C714FF3C-BCAA-7A45-6250-9F67222AC3F1}"/>
+              </a:ext>
+            </a:extLst>
+          </p:cNvPr>
+          <p:cNvPicPr>
+            <a:picLocks noGrp="1" noChangeAspect="1"/>
+          </p:cNvPicPr>
+          <p:nvPr>
+            <p:ph idx="1"/>
+          </p:nvPr>
+        </p:nvPicPr>
+        <p:blipFill>
+          <a:blip r:embed="rId2"/>
+          <a:stretch>
+            <a:fillRect/>
+          </a:stretch>
+        </p:blipFill>
+        <p:spPr>
+          <a:xfrm>
+            <a:off x="577049" y="218073"/>
+            <a:ext cx="5866519" cy="3643713"/>
+          </a:xfrm>
+        </p:spPr>
+      </p:pic>
+      <p:pic>
+        <p:nvPicPr>
+          <p:cNvPr id="7" name="Рисунок 6">
+            <a:extLst>
+              <a:ext uri="{FF2B5EF4-FFF2-40B4-BE49-F238E27FC236}">
+                <a16:creationId xmlns:a16="http://schemas.microsoft.com/office/drawing/2014/main" id="{E78FD4E5-7BDE-779C-F0AE-F1C5335E9398}"/>
+              </a:ext>
+            </a:extLst>
+          </p:cNvPr>
+          <p:cNvPicPr>
+            <a:picLocks noChangeAspect="1"/>
+          </p:cNvPicPr>
+          <p:nvPr/>
+        </p:nvPicPr>
+        <p:blipFill>
+          <a:blip r:embed="rId3"/>
+          <a:stretch>
+            <a:fillRect/>
+          </a:stretch>
+        </p:blipFill>
+        <p:spPr>
+          <a:xfrm>
+            <a:off x="5175682" y="2855458"/>
+            <a:ext cx="6422564" cy="4002542"/>
+          </a:xfrm>
+          <a:prstGeom prst="rect">
+            <a:avLst/>
+          </a:prstGeom>
+        </p:spPr>
+      </p:pic>
+    </p:spTree>
+    <p:extLst>
+      <p:ext uri="{BB962C8B-B14F-4D97-AF65-F5344CB8AC3E}">
+        <p14:creationId xmlns:p14="http://schemas.microsoft.com/office/powerpoint/2010/main" val="921337494"/>
+      </p:ext>
+    </p:extLst>
+  </p:cSld>
+  <p:clrMapOvr>
+    <a:masterClrMapping/>
+  </p:clrMapOvr>
+</p:sld>
+</file>
+
+<file path=ppt/slides/slide4.xml><?xml version="1.0" encoding="utf-8"?>
+<p:sld xmlns:a="http://schemas.openxmlformats.org/drawingml/2006/main" xmlns:r="http://schemas.openxmlformats.org/officeDocument/2006/relationships" xmlns:p="http://schemas.openxmlformats.org/presentationml/2006/main">
+  <p:cSld>
+    <p:spTree>
+      <p:nvGrpSpPr>
+        <p:cNvPr id="1" name=""/>
+        <p:cNvGrpSpPr/>
+        <p:nvPr/>
+      </p:nvGrpSpPr>
+      <p:grpSpPr>
+        <a:xfrm>
+          <a:off x="0" y="0"/>
+          <a:ext cx="0" cy="0"/>
+          <a:chOff x="0" y="0"/>
+          <a:chExt cx="0" cy="0"/>
+        </a:xfrm>
+      </p:grpSpPr>
+      <p:sp>
+        <p:nvSpPr>
+          <p:cNvPr id="2" name="Заголовок 1">
+            <a:extLst>
+              <a:ext uri="{FF2B5EF4-FFF2-40B4-BE49-F238E27FC236}">
                 <a16:creationId xmlns:a16="http://schemas.microsoft.com/office/drawing/2014/main" id="{A3466BDD-F59A-CA36-F7A2-1EA916291009}"/>
               </a:ext>
             </a:extLst>
@@ -3738,7 +3886,7 @@
 </p:sld>
 </file>
 
-<file path=ppt/slides/slide4.xml><?xml version="1.0" encoding="utf-8"?>
+<file path=ppt/slides/slide5.xml><?xml version="1.0" encoding="utf-8"?>
 <p:sld xmlns:a="http://schemas.openxmlformats.org/drawingml/2006/main" xmlns:r="http://schemas.openxmlformats.org/officeDocument/2006/relationships" xmlns:p="http://schemas.openxmlformats.org/presentationml/2006/main">
   <p:cSld>
     <p:spTree>

--- a/Охота на роботов.pptx
+++ b/Охота на роботов.pptx
@@ -2749,9 +2749,18 @@
 <p:sldMaster xmlns:a="http://schemas.openxmlformats.org/drawingml/2006/main" xmlns:r="http://schemas.openxmlformats.org/officeDocument/2006/relationships" xmlns:p="http://schemas.openxmlformats.org/presentationml/2006/main">
   <p:cSld>
     <p:bg>
-      <p:bgRef idx="1001">
-        <a:schemeClr val="bg1"/>
-      </p:bgRef>
+      <p:bgPr>
+        <a:blipFill dpi="0" rotWithShape="1">
+          <a:blip r:embed="rId13">
+            <a:lum/>
+          </a:blip>
+          <a:srcRect/>
+          <a:stretch>
+            <a:fillRect t="-12000" b="-12000"/>
+          </a:stretch>
+        </a:blipFill>
+        <a:effectLst/>
+      </p:bgPr>
     </p:bg>
     <p:spTree>
       <p:nvGrpSpPr>
@@ -3405,7 +3414,7 @@
             <a:pPr algn="r"/>
             <a:r>
               <a:rPr lang="ru-RU" dirty="0"/>
-              <a:t>Павел сметанников</a:t>
+              <a:t>Сметанников Павел</a:t>
             </a:r>
           </a:p>
           <a:p>
